--- a/documents_presentations/Aiken mid-point presentation.pptx
+++ b/documents_presentations/Aiken mid-point presentation.pptx
@@ -112,6 +112,11 @@
       </a:defRPr>
     </a:lvl9pPr>
   </p:defaultTextStyle>
+  <p:extLst>
+    <p:ext uri="{EFAFB233-063F-42B5-8137-9DF3F51BA10A}">
+      <p15:sldGuideLst xmlns:p15="http://schemas.microsoft.com/office/powerpoint/2012/main"/>
+    </p:ext>
+  </p:extLst>
 </p:presentation>
 </file>
 
@@ -262,7 +267,7 @@
           <a:p>
             <a:fld id="{89BBD14E-0551-164B-B3A9-D8BDC8A878AB}" type="datetimeFigureOut">
               <a:rPr lang="en-US" smtClean="0"/>
-              <a:t>3/18/22</a:t>
+              <a:t>4/14/22</a:t>
             </a:fld>
             <a:endParaRPr lang="en-US"/>
           </a:p>
@@ -460,7 +465,7 @@
           <a:p>
             <a:fld id="{89BBD14E-0551-164B-B3A9-D8BDC8A878AB}" type="datetimeFigureOut">
               <a:rPr lang="en-US" smtClean="0"/>
-              <a:t>3/18/22</a:t>
+              <a:t>4/14/22</a:t>
             </a:fld>
             <a:endParaRPr lang="en-US"/>
           </a:p>
@@ -668,7 +673,7 @@
           <a:p>
             <a:fld id="{89BBD14E-0551-164B-B3A9-D8BDC8A878AB}" type="datetimeFigureOut">
               <a:rPr lang="en-US" smtClean="0"/>
-              <a:t>3/18/22</a:t>
+              <a:t>4/14/22</a:t>
             </a:fld>
             <a:endParaRPr lang="en-US"/>
           </a:p>
@@ -866,7 +871,7 @@
           <a:p>
             <a:fld id="{89BBD14E-0551-164B-B3A9-D8BDC8A878AB}" type="datetimeFigureOut">
               <a:rPr lang="en-US" smtClean="0"/>
-              <a:t>3/18/22</a:t>
+              <a:t>4/14/22</a:t>
             </a:fld>
             <a:endParaRPr lang="en-US"/>
           </a:p>
@@ -1141,7 +1146,7 @@
           <a:p>
             <a:fld id="{89BBD14E-0551-164B-B3A9-D8BDC8A878AB}" type="datetimeFigureOut">
               <a:rPr lang="en-US" smtClean="0"/>
-              <a:t>3/18/22</a:t>
+              <a:t>4/14/22</a:t>
             </a:fld>
             <a:endParaRPr lang="en-US"/>
           </a:p>
@@ -1406,7 +1411,7 @@
           <a:p>
             <a:fld id="{89BBD14E-0551-164B-B3A9-D8BDC8A878AB}" type="datetimeFigureOut">
               <a:rPr lang="en-US" smtClean="0"/>
-              <a:t>3/18/22</a:t>
+              <a:t>4/14/22</a:t>
             </a:fld>
             <a:endParaRPr lang="en-US"/>
           </a:p>
@@ -1818,7 +1823,7 @@
           <a:p>
             <a:fld id="{89BBD14E-0551-164B-B3A9-D8BDC8A878AB}" type="datetimeFigureOut">
               <a:rPr lang="en-US" smtClean="0"/>
-              <a:t>3/18/22</a:t>
+              <a:t>4/14/22</a:t>
             </a:fld>
             <a:endParaRPr lang="en-US"/>
           </a:p>
@@ -1959,7 +1964,7 @@
           <a:p>
             <a:fld id="{89BBD14E-0551-164B-B3A9-D8BDC8A878AB}" type="datetimeFigureOut">
               <a:rPr lang="en-US" smtClean="0"/>
-              <a:t>3/18/22</a:t>
+              <a:t>4/14/22</a:t>
             </a:fld>
             <a:endParaRPr lang="en-US"/>
           </a:p>
@@ -2072,7 +2077,7 @@
           <a:p>
             <a:fld id="{89BBD14E-0551-164B-B3A9-D8BDC8A878AB}" type="datetimeFigureOut">
               <a:rPr lang="en-US" smtClean="0"/>
-              <a:t>3/18/22</a:t>
+              <a:t>4/14/22</a:t>
             </a:fld>
             <a:endParaRPr lang="en-US"/>
           </a:p>
@@ -2383,7 +2388,7 @@
           <a:p>
             <a:fld id="{89BBD14E-0551-164B-B3A9-D8BDC8A878AB}" type="datetimeFigureOut">
               <a:rPr lang="en-US" smtClean="0"/>
-              <a:t>3/18/22</a:t>
+              <a:t>4/14/22</a:t>
             </a:fld>
             <a:endParaRPr lang="en-US"/>
           </a:p>
@@ -2671,7 +2676,7 @@
           <a:p>
             <a:fld id="{89BBD14E-0551-164B-B3A9-D8BDC8A878AB}" type="datetimeFigureOut">
               <a:rPr lang="en-US" smtClean="0"/>
-              <a:t>3/18/22</a:t>
+              <a:t>4/14/22</a:t>
             </a:fld>
             <a:endParaRPr lang="en-US"/>
           </a:p>
@@ -2917,7 +2922,7 @@
           <a:p>
             <a:fld id="{89BBD14E-0551-164B-B3A9-D8BDC8A878AB}" type="datetimeFigureOut">
               <a:rPr lang="en-US" smtClean="0"/>
-              <a:t>3/18/22</a:t>
+              <a:t>4/14/22</a:t>
             </a:fld>
             <a:endParaRPr lang="en-US"/>
           </a:p>
@@ -4850,6 +4855,46 @@
           </a:p>
         </p:txBody>
       </p:sp>
+      <p:sp>
+        <p:nvSpPr>
+          <p:cNvPr id="38" name="Title 1">
+            <a:extLst>
+              <a:ext uri="{FF2B5EF4-FFF2-40B4-BE49-F238E27FC236}">
+                <a16:creationId xmlns:a16="http://schemas.microsoft.com/office/drawing/2014/main" id="{FF2E3DA4-7A0F-C84A-A62D-8CD06F62E7C7}"/>
+              </a:ext>
+            </a:extLst>
+          </p:cNvPr>
+          <p:cNvSpPr>
+            <a:spLocks noGrp="1"/>
+          </p:cNvSpPr>
+          <p:nvPr>
+            <p:ph type="title"/>
+          </p:nvPr>
+        </p:nvSpPr>
+        <p:spPr>
+          <a:xfrm>
+            <a:off x="0" y="6416557"/>
+            <a:ext cx="10515600" cy="434583"/>
+          </a:xfrm>
+        </p:spPr>
+        <p:txBody>
+          <a:bodyPr>
+            <a:normAutofit fontScale="90000"/>
+          </a:bodyPr>
+          <a:lstStyle/>
+          <a:p>
+            <a:r>
+              <a:rPr lang="en-US" sz="3200" b="1" dirty="0">
+                <a:solidFill>
+                  <a:schemeClr val="bg1"/>
+                </a:solidFill>
+                <a:latin typeface="Avenir Next" panose="020B0503020202020204" pitchFamily="34" charset="0"/>
+              </a:rPr>
+              <a:t>Dashboard Wireframe</a:t>
+            </a:r>
+          </a:p>
+        </p:txBody>
+      </p:sp>
       <p:pic>
         <p:nvPicPr>
           <p:cNvPr id="7" name="Content Placeholder 3" descr="Map&#10;&#10;Description automatically generated">
@@ -6196,46 +6241,6 @@
             <a:r>
               <a:rPr lang="en-US" sz="1600" dirty="0"/>
               <a:t>Adjust the order of the factors below to re-color the map and reveal which counties/census tracts that would be prioritized.  Use the map filters and address search bar to learn more.</a:t>
-            </a:r>
-          </a:p>
-        </p:txBody>
-      </p:sp>
-      <p:sp>
-        <p:nvSpPr>
-          <p:cNvPr id="38" name="Title 1">
-            <a:extLst>
-              <a:ext uri="{FF2B5EF4-FFF2-40B4-BE49-F238E27FC236}">
-                <a16:creationId xmlns:a16="http://schemas.microsoft.com/office/drawing/2014/main" id="{FF2E3DA4-7A0F-C84A-A62D-8CD06F62E7C7}"/>
-              </a:ext>
-            </a:extLst>
-          </p:cNvPr>
-          <p:cNvSpPr>
-            <a:spLocks noGrp="1"/>
-          </p:cNvSpPr>
-          <p:nvPr>
-            <p:ph type="title"/>
-          </p:nvPr>
-        </p:nvSpPr>
-        <p:spPr>
-          <a:xfrm>
-            <a:off x="0" y="6416557"/>
-            <a:ext cx="10515600" cy="434583"/>
-          </a:xfrm>
-        </p:spPr>
-        <p:txBody>
-          <a:bodyPr>
-            <a:normAutofit fontScale="90000"/>
-          </a:bodyPr>
-          <a:lstStyle/>
-          <a:p>
-            <a:r>
-              <a:rPr lang="en-US" sz="3200" b="1" dirty="0">
-                <a:solidFill>
-                  <a:schemeClr val="bg1"/>
-                </a:solidFill>
-                <a:latin typeface="Avenir Next" panose="020B0503020202020204" pitchFamily="34" charset="0"/>
-              </a:rPr>
-              <a:t>Dashboard Wireframe</a:t>
             </a:r>
           </a:p>
         </p:txBody>
